--- a/미션파일모음/A014_손은빈_0419.pptx
+++ b/미션파일모음/A014_손은빈_0419.pptx
@@ -2,18 +2,19 @@
 <file path=ppt/presentation.xml><?xml version="1.0" encoding="utf-8"?>
 <p:presentation xmlns:a="http://schemas.openxmlformats.org/drawingml/2006/main" xmlns:r="http://schemas.openxmlformats.org/officeDocument/2006/relationships" xmlns:p="http://schemas.openxmlformats.org/presentationml/2006/main" xmlns:p14="http://schemas.microsoft.com/office/powerpoint/2010/main" saveSubsetFonts="1">
   <p:sldMasterIdLst>
-    <p:sldMasterId id="2147483709" r:id="rId24"/>
-    <p:sldMasterId id="2147483710" r:id="rId26"/>
+    <p:sldMasterId id="2147483717" r:id="rId24"/>
+    <p:sldMasterId id="2147483718" r:id="rId26"/>
   </p:sldMasterIdLst>
   <p:sldIdLst>
     <p:sldId id="264" r:id="rId28"/>
     <p:sldId id="263" r:id="rId29"/>
-    <p:sldId id="258" r:id="rId30"/>
-    <p:sldId id="256" r:id="rId31"/>
-    <p:sldId id="257" r:id="rId32"/>
-    <p:sldId id="259" r:id="rId33"/>
-    <p:sldId id="260" r:id="rId34"/>
-    <p:sldId id="261" r:id="rId35"/>
+    <p:sldId id="265" r:id="rId30"/>
+    <p:sldId id="258" r:id="rId31"/>
+    <p:sldId id="256" r:id="rId32"/>
+    <p:sldId id="257" r:id="rId33"/>
+    <p:sldId id="259" r:id="rId34"/>
+    <p:sldId id="260" r:id="rId35"/>
+    <p:sldId id="261" r:id="rId36"/>
   </p:sldIdLst>
   <p:sldSz cx="12192000" cy="6858000"/>
   <p:notesSz cx="6858000" cy="9144000"/>
@@ -6878,7 +6879,7 @@
 </file>
 
 <file path=ppt/slides/slide1.xml><?xml version="1.0" encoding="utf-8"?>
-<p:sld xmlns:a="http://schemas.openxmlformats.org/drawingml/2006/main" xmlns:r="http://schemas.openxmlformats.org/officeDocument/2006/relationships" xmlns:p="http://schemas.openxmlformats.org/presentationml/2006/main">
+<p:sld xmlns:a="http://schemas.openxmlformats.org/drawingml/2006/main" xmlns:r="http://schemas.openxmlformats.org/officeDocument/2006/relationships" xmlns:p="http://schemas.openxmlformats.org/presentationml/2006/main" xmlns:p14="http://schemas.microsoft.com/office/powerpoint/2010/main">
   <p:cSld>
     <p:spTree>
       <p:nvGrpSpPr>
@@ -7040,11 +7041,18 @@
       <p:transition spd="slow"/>
     </mc:Fallback>
   </mc:AlternateContent>
+  <p:timing>
+    <p:tnLst>
+      <p:par>
+        <p:cTn id="1" dur="indefinite" restart="never" nodeType="tmRoot"/>
+      </p:par>
+    </p:tnLst>
+  </p:timing>
 </p:sld>
 </file>
 
 <file path=ppt/slides/slide2.xml><?xml version="1.0" encoding="utf-8"?>
-<p:sld xmlns:a="http://schemas.openxmlformats.org/drawingml/2006/main" xmlns:r="http://schemas.openxmlformats.org/officeDocument/2006/relationships" xmlns:p="http://schemas.openxmlformats.org/presentationml/2006/main">
+<p:sld xmlns:a="http://schemas.openxmlformats.org/drawingml/2006/main" xmlns:r="http://schemas.openxmlformats.org/officeDocument/2006/relationships" xmlns:p="http://schemas.openxmlformats.org/presentationml/2006/main" xmlns:p14="http://schemas.microsoft.com/office/powerpoint/2010/main">
   <p:cSld>
     <p:spTree>
       <p:nvGrpSpPr>
@@ -7673,6 +7681,1586 @@
 </file>
 
 <file path=ppt/slides/slide3.xml><?xml version="1.0" encoding="utf-8"?>
+<p:sld xmlns:a="http://schemas.openxmlformats.org/drawingml/2006/main" xmlns:r="http://schemas.openxmlformats.org/officeDocument/2006/relationships" xmlns:p="http://schemas.openxmlformats.org/presentationml/2006/main">
+  <p:cSld>
+    <p:spTree>
+      <p:nvGrpSpPr>
+        <p:cNvPr id="1" name=""/>
+        <p:cNvGrpSpPr/>
+        <p:nvPr/>
+      </p:nvGrpSpPr>
+      <p:grpSpPr>
+        <a:xfrm>
+          <a:off x="0" y="0"/>
+          <a:ext cx="0" cy="0"/>
+          <a:chOff x="0" y="0"/>
+          <a:chExt cx="0" cy="0"/>
+        </a:xfrm>
+      </p:grpSpPr>
+      <p:sp>
+        <p:nvSpPr>
+          <p:cNvPr id="4" name="Rect 0"/>
+          <p:cNvSpPr>
+            <a:spLocks/>
+          </p:cNvSpPr>
+          <p:nvPr/>
+        </p:nvSpPr>
+        <p:spPr>
+          <a:xfrm rot="0">
+            <a:off x="4675505" y="1616710"/>
+            <a:ext cx="2624455" cy="323215"/>
+          </a:xfrm>
+          <a:prstGeom prst="roundRect"/>
+          <a:solidFill>
+            <a:schemeClr val="accent4">
+              <a:lumMod val="20000"/>
+              <a:lumOff val="80000"/>
+            </a:schemeClr>
+          </a:solidFill>
+          <a:ln w="0">
+            <a:noFill/>
+            <a:prstDash/>
+          </a:ln>
+        </p:spPr>
+        <p:style>
+          <a:lnRef idx="2">
+            <a:schemeClr val="accent1">
+              <a:shade val="50000"/>
+            </a:schemeClr>
+          </a:lnRef>
+          <a:fillRef idx="1">
+            <a:schemeClr val="accent1"/>
+          </a:fillRef>
+          <a:effectRef idx="0">
+            <a:schemeClr val="accent1"/>
+          </a:effectRef>
+          <a:fontRef idx="minor">
+            <a:schemeClr val="lt1"/>
+          </a:fontRef>
+        </p:style>
+        <p:txBody>
+          <a:bodyPr wrap="square" lIns="91440" tIns="45720" rIns="91440" bIns="45720" numCol="1" vert="horz" anchor="ctr">
+            <a:noAutofit/>
+          </a:bodyPr>
+          <a:lstStyle/>
+          <a:p>
+            <a:pPr marL="0" indent="0" rtl="0" algn="l" defTabSz="914400" eaLnBrk="1" latinLnBrk="0" hangingPunct="1">
+              <a:buFontTx/>
+              <a:buNone/>
+            </a:pPr>
+            <a:endParaRPr lang="ko-KR" altLang="en-US" sz="1800">
+              <a:latin typeface="맑은 고딕" charset="0"/>
+              <a:ea typeface="맑은 고딕" charset="0"/>
+            </a:endParaRPr>
+          </a:p>
+        </p:txBody>
+      </p:sp>
+      <p:sp>
+        <p:nvSpPr>
+          <p:cNvPr id="5" name="Rect 0"/>
+          <p:cNvSpPr txBox="1">
+            <a:spLocks/>
+          </p:cNvSpPr>
+          <p:nvPr/>
+        </p:nvSpPr>
+        <p:spPr>
+          <a:xfrm rot="0">
+            <a:off x="4087495" y="1218565"/>
+            <a:ext cx="589280" cy="309245"/>
+          </a:xfrm>
+          <a:prstGeom prst="rect"/>
+          <a:noFill/>
+        </p:spPr>
+        <p:txBody>
+          <a:bodyPr wrap="square" lIns="91440" tIns="45720" rIns="91440" bIns="45720" numCol="1" vert="horz" anchor="t">
+            <a:spAutoFit/>
+          </a:bodyPr>
+          <a:lstStyle/>
+          <a:p>
+            <a:pPr marL="0" indent="0" rtl="0" algn="ctr" defTabSz="914400" eaLnBrk="1" latinLnBrk="0" hangingPunct="1">
+              <a:buFontTx/>
+              <a:buNone/>
+            </a:pPr>
+            <a:r>
+              <a:rPr sz="1400" b="1">
+                <a:latin typeface="맑은 고딕" charset="0"/>
+                <a:ea typeface="맑은 고딕" charset="0"/>
+              </a:rPr>
+              <a:t>ID</a:t>
+            </a:r>
+            <a:endParaRPr lang="ko-KR" altLang="en-US" sz="1400" b="1">
+              <a:latin typeface="맑은 고딕" charset="0"/>
+              <a:ea typeface="맑은 고딕" charset="0"/>
+            </a:endParaRPr>
+          </a:p>
+        </p:txBody>
+      </p:sp>
+      <p:sp>
+        <p:nvSpPr>
+          <p:cNvPr id="7" name="Rect 0"/>
+          <p:cNvSpPr>
+            <a:spLocks/>
+          </p:cNvSpPr>
+          <p:nvPr/>
+        </p:nvSpPr>
+        <p:spPr>
+          <a:xfrm rot="0">
+            <a:off x="4675505" y="2054860"/>
+            <a:ext cx="2624455" cy="323215"/>
+          </a:xfrm>
+          <a:prstGeom prst="roundRect"/>
+          <a:solidFill>
+            <a:schemeClr val="accent4">
+              <a:lumMod val="20000"/>
+              <a:lumOff val="80000"/>
+            </a:schemeClr>
+          </a:solidFill>
+          <a:ln w="0">
+            <a:noFill/>
+            <a:prstDash/>
+          </a:ln>
+        </p:spPr>
+        <p:style>
+          <a:lnRef idx="2">
+            <a:schemeClr val="accent1">
+              <a:shade val="50000"/>
+            </a:schemeClr>
+          </a:lnRef>
+          <a:fillRef idx="1">
+            <a:schemeClr val="accent1"/>
+          </a:fillRef>
+          <a:effectRef idx="0">
+            <a:schemeClr val="accent1"/>
+          </a:effectRef>
+          <a:fontRef idx="minor">
+            <a:schemeClr val="lt1"/>
+          </a:fontRef>
+        </p:style>
+        <p:txBody>
+          <a:bodyPr wrap="square" lIns="91440" tIns="45720" rIns="91440" bIns="45720" numCol="1" vert="horz" anchor="ctr">
+            <a:noAutofit/>
+          </a:bodyPr>
+          <a:lstStyle/>
+          <a:p>
+            <a:pPr marL="0" indent="0" rtl="0" algn="l" defTabSz="914400" eaLnBrk="1" latinLnBrk="0" hangingPunct="1">
+              <a:buFontTx/>
+              <a:buNone/>
+            </a:pPr>
+            <a:endParaRPr lang="ko-KR" altLang="en-US" sz="1800">
+              <a:latin typeface="맑은 고딕" charset="0"/>
+              <a:ea typeface="맑은 고딕" charset="0"/>
+            </a:endParaRPr>
+          </a:p>
+        </p:txBody>
+      </p:sp>
+      <p:sp>
+        <p:nvSpPr>
+          <p:cNvPr id="8" name="Rect 0"/>
+          <p:cNvSpPr txBox="1">
+            <a:spLocks/>
+          </p:cNvSpPr>
+          <p:nvPr/>
+        </p:nvSpPr>
+        <p:spPr>
+          <a:xfrm rot="0">
+            <a:off x="3530600" y="1619885"/>
+            <a:ext cx="1146175" cy="307340"/>
+          </a:xfrm>
+          <a:prstGeom prst="rect"/>
+          <a:noFill/>
+        </p:spPr>
+        <p:txBody>
+          <a:bodyPr wrap="square" lIns="91440" tIns="45720" rIns="91440" bIns="45720" numCol="1" vert="horz" anchor="t">
+            <a:spAutoFit/>
+          </a:bodyPr>
+          <a:lstStyle/>
+          <a:p>
+            <a:pPr marL="0" indent="0" rtl="0" algn="ctr" defTabSz="914400" eaLnBrk="1" latinLnBrk="0" hangingPunct="1">
+              <a:buFontTx/>
+              <a:buNone/>
+            </a:pPr>
+            <a:r>
+              <a:rPr sz="1400" b="1">
+                <a:latin typeface="맑은 고딕" charset="0"/>
+                <a:ea typeface="맑은 고딕" charset="0"/>
+              </a:rPr>
+              <a:t>비밀번</a:t>
+            </a:r>
+            <a:r>
+              <a:rPr lang="ko-KR" sz="1400" b="1">
+                <a:latin typeface="맑은 고딕" charset="0"/>
+                <a:ea typeface="맑은 고딕" charset="0"/>
+              </a:rPr>
+              <a:t>호</a:t>
+            </a:r>
+            <a:endParaRPr lang="ko-KR" altLang="en-US" sz="1400" b="1">
+              <a:latin typeface="맑은 고딕" charset="0"/>
+              <a:ea typeface="맑은 고딕" charset="0"/>
+            </a:endParaRPr>
+          </a:p>
+        </p:txBody>
+      </p:sp>
+      <p:sp>
+        <p:nvSpPr>
+          <p:cNvPr id="16" name="Rect 0"/>
+          <p:cNvSpPr>
+            <a:spLocks/>
+          </p:cNvSpPr>
+          <p:nvPr/>
+        </p:nvSpPr>
+        <p:spPr>
+          <a:xfrm rot="0">
+            <a:off x="4023360" y="407670"/>
+            <a:ext cx="4159885" cy="555625"/>
+          </a:xfrm>
+          <a:prstGeom prst="roundRect"/>
+          <a:solidFill>
+            <a:schemeClr val="bg1"/>
+          </a:solidFill>
+          <a:ln w="12700" cap="flat" cmpd="sng">
+            <a:solidFill>
+              <a:schemeClr val="tx1">
+                <a:alpha val="100000"/>
+              </a:schemeClr>
+            </a:solidFill>
+            <a:prstDash val="solid"/>
+          </a:ln>
+        </p:spPr>
+        <p:style>
+          <a:lnRef idx="2">
+            <a:schemeClr val="accent1">
+              <a:shade val="50000"/>
+            </a:schemeClr>
+          </a:lnRef>
+          <a:fillRef idx="1">
+            <a:schemeClr val="accent1"/>
+          </a:fillRef>
+          <a:effectRef idx="0">
+            <a:schemeClr val="accent1"/>
+          </a:effectRef>
+          <a:fontRef idx="minor">
+            <a:schemeClr val="lt1"/>
+          </a:fontRef>
+        </p:style>
+        <p:txBody>
+          <a:bodyPr wrap="square" lIns="91440" tIns="45720" rIns="91440" bIns="45720" numCol="1" vert="horz" anchor="ctr">
+            <a:noAutofit/>
+          </a:bodyPr>
+          <a:lstStyle/>
+          <a:p>
+            <a:pPr marL="0" indent="0" rtl="0" algn="ctr" defTabSz="914400" eaLnBrk="1" latinLnBrk="0" hangingPunct="1">
+              <a:buFontTx/>
+              <a:buNone/>
+            </a:pPr>
+            <a:r>
+              <a:rPr sz="2000" b="1">
+                <a:solidFill>
+                  <a:schemeClr val="tx1"/>
+                </a:solidFill>
+                <a:latin typeface="맑은 고딕" charset="0"/>
+                <a:ea typeface="맑은 고딕" charset="0"/>
+              </a:rPr>
+              <a:t>학사관리 시스템</a:t>
+            </a:r>
+            <a:endParaRPr lang="ko-KR" altLang="en-US" sz="2000" b="1">
+              <a:solidFill>
+                <a:schemeClr val="tx1"/>
+              </a:solidFill>
+              <a:latin typeface="맑은 고딕" charset="0"/>
+              <a:ea typeface="맑은 고딕" charset="0"/>
+            </a:endParaRPr>
+          </a:p>
+        </p:txBody>
+      </p:sp>
+      <p:sp>
+        <p:nvSpPr>
+          <p:cNvPr id="17" name="도형 1"/>
+          <p:cNvSpPr>
+            <a:spLocks/>
+          </p:cNvSpPr>
+          <p:nvPr/>
+        </p:nvSpPr>
+        <p:spPr>
+          <a:xfrm rot="0">
+            <a:off x="4675505" y="1210945"/>
+            <a:ext cx="2624455" cy="323215"/>
+          </a:xfrm>
+          <a:prstGeom prst="roundRect"/>
+          <a:solidFill>
+            <a:schemeClr val="accent4">
+              <a:lumMod val="20000"/>
+              <a:lumOff val="80000"/>
+            </a:schemeClr>
+          </a:solidFill>
+          <a:ln w="0">
+            <a:noFill/>
+            <a:prstDash/>
+          </a:ln>
+        </p:spPr>
+        <p:style>
+          <a:lnRef idx="2">
+            <a:schemeClr val="accent1">
+              <a:shade val="50000"/>
+            </a:schemeClr>
+          </a:lnRef>
+          <a:fillRef idx="1">
+            <a:schemeClr val="accent1"/>
+          </a:fillRef>
+          <a:effectRef idx="0">
+            <a:schemeClr val="accent1"/>
+          </a:effectRef>
+          <a:fontRef idx="minor">
+            <a:schemeClr val="lt1"/>
+          </a:fontRef>
+        </p:style>
+        <p:txBody>
+          <a:bodyPr wrap="square" lIns="91440" tIns="45720" rIns="91440" bIns="45720" numCol="1" vert="horz" anchor="ctr">
+            <a:noAutofit/>
+          </a:bodyPr>
+          <a:lstStyle/>
+          <a:p>
+            <a:pPr marL="0" indent="0" rtl="0" algn="l" defTabSz="914400" eaLnBrk="1" latinLnBrk="0" hangingPunct="1">
+              <a:buFontTx/>
+              <a:buNone/>
+            </a:pPr>
+            <a:endParaRPr lang="ko-KR" altLang="en-US" sz="1800">
+              <a:latin typeface="맑은 고딕" charset="0"/>
+              <a:ea typeface="맑은 고딕" charset="0"/>
+            </a:endParaRPr>
+          </a:p>
+        </p:txBody>
+      </p:sp>
+      <p:sp>
+        <p:nvSpPr>
+          <p:cNvPr id="18" name="도형 2"/>
+          <p:cNvSpPr>
+            <a:spLocks/>
+          </p:cNvSpPr>
+          <p:nvPr/>
+        </p:nvSpPr>
+        <p:spPr>
+          <a:xfrm rot="0">
+            <a:off x="4675505" y="2483485"/>
+            <a:ext cx="2624455" cy="323215"/>
+          </a:xfrm>
+          <a:prstGeom prst="roundRect"/>
+          <a:solidFill>
+            <a:schemeClr val="accent4">
+              <a:lumMod val="20000"/>
+              <a:lumOff val="80000"/>
+            </a:schemeClr>
+          </a:solidFill>
+          <a:ln w="0">
+            <a:noFill/>
+            <a:prstDash/>
+          </a:ln>
+        </p:spPr>
+        <p:style>
+          <a:lnRef idx="2">
+            <a:schemeClr val="accent1">
+              <a:shade val="50000"/>
+            </a:schemeClr>
+          </a:lnRef>
+          <a:fillRef idx="1">
+            <a:schemeClr val="accent1"/>
+          </a:fillRef>
+          <a:effectRef idx="0">
+            <a:schemeClr val="accent1"/>
+          </a:effectRef>
+          <a:fontRef idx="minor">
+            <a:schemeClr val="lt1"/>
+          </a:fontRef>
+        </p:style>
+        <p:txBody>
+          <a:bodyPr wrap="square" lIns="91440" tIns="45720" rIns="91440" bIns="45720" numCol="1" vert="horz" anchor="ctr">
+            <a:noAutofit/>
+          </a:bodyPr>
+          <a:lstStyle/>
+          <a:p>
+            <a:pPr marL="0" indent="0" rtl="0" algn="l" defTabSz="914400" eaLnBrk="1" latinLnBrk="0" hangingPunct="1">
+              <a:buFontTx/>
+              <a:buNone/>
+            </a:pPr>
+            <a:endParaRPr lang="ko-KR" altLang="en-US" sz="1800">
+              <a:latin typeface="맑은 고딕" charset="0"/>
+              <a:ea typeface="맑은 고딕" charset="0"/>
+            </a:endParaRPr>
+          </a:p>
+        </p:txBody>
+      </p:sp>
+      <p:sp>
+        <p:nvSpPr>
+          <p:cNvPr id="19" name="도형 3"/>
+          <p:cNvSpPr>
+            <a:spLocks/>
+          </p:cNvSpPr>
+          <p:nvPr/>
+        </p:nvSpPr>
+        <p:spPr>
+          <a:xfrm rot="0">
+            <a:off x="4675505" y="2941955"/>
+            <a:ext cx="1204595" cy="323215"/>
+          </a:xfrm>
+          <a:prstGeom prst="roundRect"/>
+          <a:solidFill>
+            <a:schemeClr val="accent4">
+              <a:lumMod val="20000"/>
+              <a:lumOff val="80000"/>
+            </a:schemeClr>
+          </a:solidFill>
+          <a:ln w="0">
+            <a:noFill/>
+            <a:prstDash/>
+          </a:ln>
+        </p:spPr>
+        <p:style>
+          <a:lnRef idx="2">
+            <a:schemeClr val="accent1">
+              <a:shade val="50000"/>
+            </a:schemeClr>
+          </a:lnRef>
+          <a:fillRef idx="1">
+            <a:schemeClr val="accent1"/>
+          </a:fillRef>
+          <a:effectRef idx="0">
+            <a:schemeClr val="accent1"/>
+          </a:effectRef>
+          <a:fontRef idx="minor">
+            <a:schemeClr val="lt1"/>
+          </a:fontRef>
+        </p:style>
+        <p:txBody>
+          <a:bodyPr wrap="square" lIns="91440" tIns="45720" rIns="91440" bIns="45720" numCol="1" vert="horz" anchor="ctr">
+            <a:noAutofit/>
+          </a:bodyPr>
+          <a:lstStyle/>
+          <a:p>
+            <a:pPr marL="0" indent="0" rtl="0" algn="l" defTabSz="914400" eaLnBrk="1" latinLnBrk="0" hangingPunct="1">
+              <a:buFontTx/>
+              <a:buNone/>
+            </a:pPr>
+            <a:endParaRPr lang="ko-KR" altLang="en-US" sz="1800">
+              <a:latin typeface="맑은 고딕" charset="0"/>
+              <a:ea typeface="맑은 고딕" charset="0"/>
+            </a:endParaRPr>
+          </a:p>
+        </p:txBody>
+      </p:sp>
+      <p:sp>
+        <p:nvSpPr>
+          <p:cNvPr id="20" name="도형 4"/>
+          <p:cNvSpPr>
+            <a:spLocks/>
+          </p:cNvSpPr>
+          <p:nvPr/>
+        </p:nvSpPr>
+        <p:spPr>
+          <a:xfrm rot="0">
+            <a:off x="4675505" y="3383280"/>
+            <a:ext cx="2624455" cy="323215"/>
+          </a:xfrm>
+          <a:prstGeom prst="roundRect"/>
+          <a:solidFill>
+            <a:schemeClr val="accent4">
+              <a:lumMod val="20000"/>
+              <a:lumOff val="80000"/>
+            </a:schemeClr>
+          </a:solidFill>
+          <a:ln w="0">
+            <a:noFill/>
+            <a:prstDash/>
+          </a:ln>
+        </p:spPr>
+        <p:style>
+          <a:lnRef idx="2">
+            <a:schemeClr val="accent1">
+              <a:shade val="50000"/>
+            </a:schemeClr>
+          </a:lnRef>
+          <a:fillRef idx="1">
+            <a:schemeClr val="accent1"/>
+          </a:fillRef>
+          <a:effectRef idx="0">
+            <a:schemeClr val="accent1"/>
+          </a:effectRef>
+          <a:fontRef idx="minor">
+            <a:schemeClr val="lt1"/>
+          </a:fontRef>
+        </p:style>
+        <p:txBody>
+          <a:bodyPr wrap="square" lIns="91440" tIns="45720" rIns="91440" bIns="45720" numCol="1" vert="horz" anchor="ctr">
+            <a:noAutofit/>
+          </a:bodyPr>
+          <a:lstStyle/>
+          <a:p>
+            <a:pPr marL="0" indent="0" rtl="0" algn="l" defTabSz="914400" eaLnBrk="1" latinLnBrk="0" hangingPunct="1">
+              <a:buFontTx/>
+              <a:buNone/>
+            </a:pPr>
+            <a:r>
+              <a:rPr lang="ko-KR" altLang="en-US" sz="1800">
+                <a:solidFill>
+                  <a:schemeClr val="bg2">
+                    <a:lumMod val="90000"/>
+                    <a:lumOff val="0"/>
+                  </a:schemeClr>
+                </a:solidFill>
+                <a:latin typeface="맑은 고딕" charset="0"/>
+                <a:ea typeface="맑은 고딕" charset="0"/>
+              </a:rPr>
+              <a:t>010-0001-0001</a:t>
+            </a:r>
+            <a:endParaRPr lang="ko-KR" altLang="en-US" sz="1800">
+              <a:solidFill>
+                <a:schemeClr val="bg2">
+                  <a:lumMod val="90000"/>
+                  <a:lumOff val="0"/>
+                </a:schemeClr>
+              </a:solidFill>
+              <a:latin typeface="맑은 고딕" charset="0"/>
+              <a:ea typeface="맑은 고딕" charset="0"/>
+            </a:endParaRPr>
+          </a:p>
+        </p:txBody>
+      </p:sp>
+      <p:sp>
+        <p:nvSpPr>
+          <p:cNvPr id="21" name="텍스트 상자 5"/>
+          <p:cNvSpPr txBox="1">
+            <a:spLocks/>
+          </p:cNvSpPr>
+          <p:nvPr/>
+        </p:nvSpPr>
+        <p:spPr>
+          <a:xfrm rot="0">
+            <a:off x="3535680" y="2074545"/>
+            <a:ext cx="1146175" cy="307340"/>
+          </a:xfrm>
+          <a:prstGeom prst="rect"/>
+          <a:noFill/>
+        </p:spPr>
+        <p:txBody>
+          <a:bodyPr wrap="square" lIns="91440" tIns="45720" rIns="91440" bIns="45720" numCol="1" vert="horz" anchor="t">
+            <a:spAutoFit/>
+          </a:bodyPr>
+          <a:lstStyle/>
+          <a:p>
+            <a:pPr marL="0" indent="0" rtl="0" algn="ctr" defTabSz="914400" eaLnBrk="1" latinLnBrk="0" hangingPunct="1">
+              <a:buFontTx/>
+              <a:buNone/>
+            </a:pPr>
+            <a:r>
+              <a:rPr lang="ko-KR" sz="1400" b="1">
+                <a:latin typeface="맑은 고딕" charset="0"/>
+                <a:ea typeface="맑은 고딕" charset="0"/>
+              </a:rPr>
+              <a:t>학번</a:t>
+            </a:r>
+            <a:endParaRPr lang="ko-KR" altLang="en-US" sz="1400" b="1">
+              <a:latin typeface="맑은 고딕" charset="0"/>
+              <a:ea typeface="맑은 고딕" charset="0"/>
+            </a:endParaRPr>
+          </a:p>
+        </p:txBody>
+      </p:sp>
+      <p:sp>
+        <p:nvSpPr>
+          <p:cNvPr id="22" name="텍스트 상자 6"/>
+          <p:cNvSpPr txBox="1">
+            <a:spLocks/>
+          </p:cNvSpPr>
+          <p:nvPr/>
+        </p:nvSpPr>
+        <p:spPr>
+          <a:xfrm rot="0">
+            <a:off x="3540760" y="2479675"/>
+            <a:ext cx="1146175" cy="307340"/>
+          </a:xfrm>
+          <a:prstGeom prst="rect"/>
+          <a:noFill/>
+        </p:spPr>
+        <p:txBody>
+          <a:bodyPr wrap="square" lIns="91440" tIns="45720" rIns="91440" bIns="45720" numCol="1" vert="horz" anchor="t">
+            <a:spAutoFit/>
+          </a:bodyPr>
+          <a:lstStyle/>
+          <a:p>
+            <a:pPr marL="0" indent="0" rtl="0" algn="ctr" defTabSz="914400" eaLnBrk="1" latinLnBrk="0" hangingPunct="1">
+              <a:buFontTx/>
+              <a:buNone/>
+            </a:pPr>
+            <a:r>
+              <a:rPr lang="ko-KR" sz="1400" b="1">
+                <a:latin typeface="맑은 고딕" charset="0"/>
+                <a:ea typeface="맑은 고딕" charset="0"/>
+              </a:rPr>
+              <a:t>이름</a:t>
+            </a:r>
+            <a:endParaRPr lang="ko-KR" altLang="en-US" sz="1400" b="1">
+              <a:latin typeface="맑은 고딕" charset="0"/>
+              <a:ea typeface="맑은 고딕" charset="0"/>
+            </a:endParaRPr>
+          </a:p>
+        </p:txBody>
+      </p:sp>
+      <p:sp>
+        <p:nvSpPr>
+          <p:cNvPr id="23" name="텍스트 상자 7"/>
+          <p:cNvSpPr txBox="1">
+            <a:spLocks/>
+          </p:cNvSpPr>
+          <p:nvPr/>
+        </p:nvSpPr>
+        <p:spPr>
+          <a:xfrm rot="0">
+            <a:off x="3529330" y="2901315"/>
+            <a:ext cx="1146175" cy="307340"/>
+          </a:xfrm>
+          <a:prstGeom prst="rect"/>
+          <a:noFill/>
+        </p:spPr>
+        <p:txBody>
+          <a:bodyPr wrap="square" lIns="91440" tIns="45720" rIns="91440" bIns="45720" numCol="1" vert="horz" anchor="t">
+            <a:spAutoFit/>
+          </a:bodyPr>
+          <a:lstStyle/>
+          <a:p>
+            <a:pPr marL="0" indent="0" rtl="0" algn="ctr" defTabSz="914400" eaLnBrk="1" latinLnBrk="0" hangingPunct="1">
+              <a:buFontTx/>
+              <a:buNone/>
+            </a:pPr>
+            <a:r>
+              <a:rPr lang="ko-KR" sz="1400" b="1">
+                <a:latin typeface="맑은 고딕" charset="0"/>
+                <a:ea typeface="맑은 고딕" charset="0"/>
+              </a:rPr>
+              <a:t>이메일</a:t>
+            </a:r>
+            <a:endParaRPr lang="ko-KR" altLang="en-US" sz="1400" b="1">
+              <a:latin typeface="맑은 고딕" charset="0"/>
+              <a:ea typeface="맑은 고딕" charset="0"/>
+            </a:endParaRPr>
+          </a:p>
+        </p:txBody>
+      </p:sp>
+      <p:sp>
+        <p:nvSpPr>
+          <p:cNvPr id="24" name="텍스트 상자 8"/>
+          <p:cNvSpPr txBox="1">
+            <a:spLocks/>
+          </p:cNvSpPr>
+          <p:nvPr/>
+        </p:nvSpPr>
+        <p:spPr>
+          <a:xfrm rot="0">
+            <a:off x="3512820" y="3401060"/>
+            <a:ext cx="1146175" cy="307340"/>
+          </a:xfrm>
+          <a:prstGeom prst="rect"/>
+          <a:noFill/>
+        </p:spPr>
+        <p:txBody>
+          <a:bodyPr wrap="square" lIns="91440" tIns="45720" rIns="91440" bIns="45720" numCol="1" vert="horz" anchor="t">
+            <a:spAutoFit/>
+          </a:bodyPr>
+          <a:lstStyle/>
+          <a:p>
+            <a:pPr marL="0" indent="0" rtl="0" algn="ctr" defTabSz="914400" eaLnBrk="1" latinLnBrk="0" hangingPunct="1">
+              <a:buFontTx/>
+              <a:buNone/>
+            </a:pPr>
+            <a:r>
+              <a:rPr lang="ko-KR" sz="1400" b="1">
+                <a:latin typeface="맑은 고딕" charset="0"/>
+                <a:ea typeface="맑은 고딕" charset="0"/>
+              </a:rPr>
+              <a:t>전화번호</a:t>
+            </a:r>
+            <a:endParaRPr lang="ko-KR" altLang="en-US" sz="1400" b="1">
+              <a:latin typeface="맑은 고딕" charset="0"/>
+              <a:ea typeface="맑은 고딕" charset="0"/>
+            </a:endParaRPr>
+          </a:p>
+        </p:txBody>
+      </p:sp>
+      <p:sp>
+        <p:nvSpPr>
+          <p:cNvPr id="26" name="텍스트 상자 10"/>
+          <p:cNvSpPr txBox="1">
+            <a:spLocks/>
+          </p:cNvSpPr>
+          <p:nvPr/>
+        </p:nvSpPr>
+        <p:spPr>
+          <a:xfrm rot="0">
+            <a:off x="3518535" y="3836035"/>
+            <a:ext cx="1146175" cy="307340"/>
+          </a:xfrm>
+          <a:prstGeom prst="rect"/>
+          <a:noFill/>
+        </p:spPr>
+        <p:txBody>
+          <a:bodyPr wrap="square" lIns="91440" tIns="45720" rIns="91440" bIns="45720" numCol="1" vert="horz" anchor="t">
+            <a:spAutoFit/>
+          </a:bodyPr>
+          <a:lstStyle/>
+          <a:p>
+            <a:pPr marL="0" indent="0" rtl="0" algn="ctr" defTabSz="914400" eaLnBrk="1" latinLnBrk="0" hangingPunct="1">
+              <a:buFontTx/>
+              <a:buNone/>
+            </a:pPr>
+            <a:r>
+              <a:rPr lang="ko-KR" sz="1400" b="1">
+                <a:latin typeface="맑은 고딕" charset="0"/>
+                <a:ea typeface="맑은 고딕" charset="0"/>
+              </a:rPr>
+              <a:t>성별</a:t>
+            </a:r>
+            <a:endParaRPr lang="ko-KR" altLang="en-US" sz="1400" b="1">
+              <a:latin typeface="맑은 고딕" charset="0"/>
+              <a:ea typeface="맑은 고딕" charset="0"/>
+            </a:endParaRPr>
+          </a:p>
+        </p:txBody>
+      </p:sp>
+      <p:sp>
+        <p:nvSpPr>
+          <p:cNvPr id="28" name="텍스트 상자 12"/>
+          <p:cNvSpPr txBox="1">
+            <a:spLocks/>
+          </p:cNvSpPr>
+          <p:nvPr/>
+        </p:nvSpPr>
+        <p:spPr>
+          <a:xfrm rot="0">
+            <a:off x="3491230" y="4271010"/>
+            <a:ext cx="1146175" cy="307340"/>
+          </a:xfrm>
+          <a:prstGeom prst="rect"/>
+          <a:noFill/>
+        </p:spPr>
+        <p:txBody>
+          <a:bodyPr wrap="square" lIns="91440" tIns="45720" rIns="91440" bIns="45720" numCol="1" vert="horz" anchor="t">
+            <a:spAutoFit/>
+          </a:bodyPr>
+          <a:lstStyle/>
+          <a:p>
+            <a:pPr marL="0" indent="0" rtl="0" algn="ctr" defTabSz="914400" eaLnBrk="1" latinLnBrk="0" hangingPunct="1">
+              <a:buFontTx/>
+              <a:buNone/>
+            </a:pPr>
+            <a:r>
+              <a:rPr lang="ko-KR" sz="1400" b="1">
+                <a:latin typeface="맑은 고딕" charset="0"/>
+                <a:ea typeface="맑은 고딕" charset="0"/>
+              </a:rPr>
+              <a:t>생년월일</a:t>
+            </a:r>
+            <a:endParaRPr lang="ko-KR" altLang="en-US" sz="1400" b="1">
+              <a:latin typeface="맑은 고딕" charset="0"/>
+              <a:ea typeface="맑은 고딕" charset="0"/>
+            </a:endParaRPr>
+          </a:p>
+        </p:txBody>
+      </p:sp>
+      <p:sp>
+        <p:nvSpPr>
+          <p:cNvPr id="30" name="텍스트 상자 14"/>
+          <p:cNvSpPr txBox="1">
+            <a:spLocks/>
+          </p:cNvSpPr>
+          <p:nvPr/>
+        </p:nvSpPr>
+        <p:spPr>
+          <a:xfrm rot="0">
+            <a:off x="3512820" y="4709160"/>
+            <a:ext cx="1146175" cy="307340"/>
+          </a:xfrm>
+          <a:prstGeom prst="rect"/>
+          <a:noFill/>
+        </p:spPr>
+        <p:txBody>
+          <a:bodyPr wrap="square" lIns="91440" tIns="45720" rIns="91440" bIns="45720" numCol="1" vert="horz" anchor="t">
+            <a:spAutoFit/>
+          </a:bodyPr>
+          <a:lstStyle/>
+          <a:p>
+            <a:pPr marL="0" indent="0" rtl="0" algn="ctr" defTabSz="914400" eaLnBrk="1" latinLnBrk="0" hangingPunct="1">
+              <a:buFontTx/>
+              <a:buNone/>
+            </a:pPr>
+            <a:r>
+              <a:rPr lang="ko-KR" sz="1400" b="1">
+                <a:latin typeface="맑은 고딕" charset="0"/>
+                <a:ea typeface="맑은 고딕" charset="0"/>
+              </a:rPr>
+              <a:t>취미</a:t>
+            </a:r>
+            <a:endParaRPr lang="ko-KR" altLang="en-US" sz="1400" b="1">
+              <a:latin typeface="맑은 고딕" charset="0"/>
+              <a:ea typeface="맑은 고딕" charset="0"/>
+            </a:endParaRPr>
+          </a:p>
+        </p:txBody>
+      </p:sp>
+      <p:sp>
+        <p:nvSpPr>
+          <p:cNvPr id="31" name="도형 15"/>
+          <p:cNvSpPr>
+            <a:spLocks/>
+          </p:cNvSpPr>
+          <p:nvPr/>
+        </p:nvSpPr>
+        <p:spPr>
+          <a:xfrm rot="0">
+            <a:off x="4745990" y="3880485"/>
+            <a:ext cx="217170" cy="250825"/>
+          </a:xfrm>
+          <a:prstGeom prst="rect"/>
+          <a:noFill/>
+        </p:spPr>
+        <p:style>
+          <a:lnRef idx="2">
+            <a:schemeClr val="accent1">
+              <a:shade val="50000"/>
+            </a:schemeClr>
+          </a:lnRef>
+          <a:fillRef idx="1">
+            <a:schemeClr val="accent1"/>
+          </a:fillRef>
+          <a:effectRef idx="0">
+            <a:schemeClr val="accent1"/>
+          </a:effectRef>
+          <a:fontRef idx="minor">
+            <a:schemeClr val="lt1"/>
+          </a:fontRef>
+        </p:style>
+        <p:txBody>
+          <a:bodyPr wrap="square" lIns="91440" tIns="45720" rIns="91440" bIns="45720" vert="horz" anchor="ctr">
+            <a:noAutofit/>
+          </a:bodyPr>
+          <a:lstStyle/>
+          <a:p>
+            <a:pPr marL="0" indent="0" algn="ctr" hangingPunct="1"/>
+            <a:endParaRPr lang="ko-KR" altLang="en-US" sz="1800">
+              <a:latin typeface="맑은 고딕" charset="0"/>
+              <a:ea typeface="맑은 고딕" charset="0"/>
+            </a:endParaRPr>
+          </a:p>
+        </p:txBody>
+      </p:sp>
+      <p:sp>
+        <p:nvSpPr>
+          <p:cNvPr id="32" name="텍스트 상자 17"/>
+          <p:cNvSpPr txBox="1">
+            <a:spLocks/>
+          </p:cNvSpPr>
+          <p:nvPr/>
+        </p:nvSpPr>
+        <p:spPr>
+          <a:xfrm rot="0">
+            <a:off x="4996180" y="3830320"/>
+            <a:ext cx="766445" cy="370205"/>
+          </a:xfrm>
+          <a:prstGeom prst="rect"/>
+          <a:noFill/>
+          <a:ln w="0">
+            <a:noFill/>
+            <a:prstDash/>
+          </a:ln>
+        </p:spPr>
+        <p:txBody>
+          <a:bodyPr wrap="square" lIns="89535" tIns="46355" rIns="89535" bIns="46355" vert="horz" anchor="t">
+            <a:spAutoFit/>
+          </a:bodyPr>
+          <a:lstStyle/>
+          <a:p>
+            <a:pPr marL="0" indent="0" algn="l" hangingPunct="1"/>
+            <a:r>
+              <a:rPr sz="1800">
+                <a:latin typeface="맑은 고딕" charset="0"/>
+                <a:ea typeface="맑은 고딕" charset="0"/>
+              </a:rPr>
+              <a:t>남</a:t>
+            </a:r>
+            <a:r>
+              <a:rPr lang="ko-KR" sz="1800">
+                <a:latin typeface="맑은 고딕" charset="0"/>
+                <a:ea typeface="맑은 고딕" charset="0"/>
+              </a:rPr>
+              <a:t>성</a:t>
+            </a:r>
+            <a:endParaRPr lang="ko-KR" altLang="en-US" sz="1800">
+              <a:latin typeface="맑은 고딕" charset="0"/>
+              <a:ea typeface="맑은 고딕" charset="0"/>
+            </a:endParaRPr>
+          </a:p>
+        </p:txBody>
+      </p:sp>
+      <p:sp>
+        <p:nvSpPr>
+          <p:cNvPr id="33" name="도형 18"/>
+          <p:cNvSpPr>
+            <a:spLocks/>
+          </p:cNvSpPr>
+          <p:nvPr/>
+        </p:nvSpPr>
+        <p:spPr>
+          <a:xfrm rot="0">
+            <a:off x="5742305" y="3886200"/>
+            <a:ext cx="217170" cy="250825"/>
+          </a:xfrm>
+          <a:prstGeom prst="rect"/>
+          <a:noFill/>
+        </p:spPr>
+        <p:style>
+          <a:lnRef idx="2">
+            <a:schemeClr val="accent1">
+              <a:shade val="50000"/>
+            </a:schemeClr>
+          </a:lnRef>
+          <a:fillRef idx="1">
+            <a:schemeClr val="accent1"/>
+          </a:fillRef>
+          <a:effectRef idx="0">
+            <a:schemeClr val="accent1"/>
+          </a:effectRef>
+          <a:fontRef idx="minor">
+            <a:schemeClr val="lt1"/>
+          </a:fontRef>
+        </p:style>
+        <p:txBody>
+          <a:bodyPr wrap="square" lIns="91440" tIns="45720" rIns="91440" bIns="45720" vert="horz" anchor="ctr">
+            <a:noAutofit/>
+          </a:bodyPr>
+          <a:lstStyle/>
+          <a:p>
+            <a:pPr marL="0" indent="0" algn="ctr" hangingPunct="1"/>
+            <a:endParaRPr lang="ko-KR" altLang="en-US" sz="1800">
+              <a:latin typeface="맑은 고딕" charset="0"/>
+              <a:ea typeface="맑은 고딕" charset="0"/>
+            </a:endParaRPr>
+          </a:p>
+        </p:txBody>
+      </p:sp>
+      <p:sp>
+        <p:nvSpPr>
+          <p:cNvPr id="34" name="텍스트 상자 19"/>
+          <p:cNvSpPr txBox="1">
+            <a:spLocks/>
+          </p:cNvSpPr>
+          <p:nvPr/>
+        </p:nvSpPr>
+        <p:spPr>
+          <a:xfrm rot="0">
+            <a:off x="5992495" y="3836035"/>
+            <a:ext cx="766445" cy="370205"/>
+          </a:xfrm>
+          <a:prstGeom prst="rect"/>
+          <a:noFill/>
+          <a:ln w="0">
+            <a:noFill/>
+            <a:prstDash/>
+          </a:ln>
+        </p:spPr>
+        <p:txBody>
+          <a:bodyPr wrap="square" lIns="89535" tIns="46355" rIns="89535" bIns="46355" vert="horz" anchor="t">
+            <a:spAutoFit/>
+          </a:bodyPr>
+          <a:lstStyle/>
+          <a:p>
+            <a:pPr marL="0" indent="0" algn="l" hangingPunct="1"/>
+            <a:r>
+              <a:rPr lang="ko-KR" sz="1800">
+                <a:latin typeface="맑은 고딕" charset="0"/>
+                <a:ea typeface="맑은 고딕" charset="0"/>
+              </a:rPr>
+              <a:t>여성</a:t>
+            </a:r>
+            <a:endParaRPr lang="ko-KR" altLang="en-US" sz="1800">
+              <a:latin typeface="맑은 고딕" charset="0"/>
+              <a:ea typeface="맑은 고딕" charset="0"/>
+            </a:endParaRPr>
+          </a:p>
+        </p:txBody>
+      </p:sp>
+      <p:sp>
+        <p:nvSpPr>
+          <p:cNvPr id="37" name="도형 28"/>
+          <p:cNvSpPr>
+            <a:spLocks/>
+          </p:cNvSpPr>
+          <p:nvPr/>
+        </p:nvSpPr>
+        <p:spPr>
+          <a:xfrm rot="0">
+            <a:off x="5912485" y="2981325"/>
+            <a:ext cx="1383030" cy="283845"/>
+          </a:xfrm>
+          <a:prstGeom prst="rect"/>
+          <a:solidFill>
+            <a:schemeClr val="bg1"/>
+          </a:solidFill>
+        </p:spPr>
+        <p:style>
+          <a:lnRef idx="2">
+            <a:schemeClr val="accent1">
+              <a:shade val="50000"/>
+            </a:schemeClr>
+          </a:lnRef>
+          <a:fillRef idx="1">
+            <a:schemeClr val="accent1"/>
+          </a:fillRef>
+          <a:effectRef idx="0">
+            <a:schemeClr val="accent1"/>
+          </a:effectRef>
+          <a:fontRef idx="minor">
+            <a:schemeClr val="lt1"/>
+          </a:fontRef>
+        </p:style>
+        <p:txBody>
+          <a:bodyPr wrap="square" lIns="91440" tIns="45720" rIns="91440" bIns="45720" vert="horz" anchor="ctr">
+            <a:noAutofit/>
+          </a:bodyPr>
+          <a:lstStyle/>
+          <a:p>
+            <a:pPr marL="0" indent="0" algn="ctr" hangingPunct="1"/>
+            <a:endParaRPr lang="ko-KR" altLang="en-US" sz="1800">
+              <a:latin typeface="맑은 고딕" charset="0"/>
+              <a:ea typeface="맑은 고딕" charset="0"/>
+            </a:endParaRPr>
+          </a:p>
+        </p:txBody>
+      </p:sp>
+      <p:sp>
+        <p:nvSpPr>
+          <p:cNvPr id="38" name="도형 30"/>
+          <p:cNvSpPr>
+            <a:spLocks/>
+          </p:cNvSpPr>
+          <p:nvPr/>
+        </p:nvSpPr>
+        <p:spPr>
+          <a:xfrm rot="10800000">
+            <a:off x="5962650" y="3079750"/>
+            <a:ext cx="233680" cy="152400"/>
+          </a:xfrm>
+          <a:prstGeom prst="triangle"/>
+          <a:noFill/>
+        </p:spPr>
+        <p:style>
+          <a:lnRef idx="2">
+            <a:schemeClr val="accent1">
+              <a:shade val="50000"/>
+            </a:schemeClr>
+          </a:lnRef>
+          <a:fillRef idx="1">
+            <a:schemeClr val="accent1"/>
+          </a:fillRef>
+          <a:effectRef idx="0">
+            <a:schemeClr val="accent1"/>
+          </a:effectRef>
+          <a:fontRef idx="minor">
+            <a:schemeClr val="lt1"/>
+          </a:fontRef>
+        </p:style>
+        <p:txBody>
+          <a:bodyPr wrap="square" lIns="91440" tIns="45720" rIns="91440" bIns="45720" vert="horz" anchor="ctr">
+            <a:noAutofit/>
+          </a:bodyPr>
+          <a:lstStyle/>
+          <a:p>
+            <a:pPr marL="0" indent="0" algn="ctr" hangingPunct="1"/>
+            <a:endParaRPr lang="ko-KR" altLang="en-US" sz="1800">
+              <a:latin typeface="맑은 고딕" charset="0"/>
+              <a:ea typeface="맑은 고딕" charset="0"/>
+            </a:endParaRPr>
+          </a:p>
+        </p:txBody>
+      </p:sp>
+      <p:sp>
+        <p:nvSpPr>
+          <p:cNvPr id="39" name="텍스트 상자 31"/>
+          <p:cNvSpPr txBox="1">
+            <a:spLocks/>
+          </p:cNvSpPr>
+          <p:nvPr/>
+        </p:nvSpPr>
+        <p:spPr>
+          <a:xfrm rot="0">
+            <a:off x="6112510" y="2997835"/>
+            <a:ext cx="1183005" cy="308610"/>
+          </a:xfrm>
+          <a:prstGeom prst="rect"/>
+          <a:noFill/>
+          <a:ln w="0">
+            <a:noFill/>
+            <a:prstDash/>
+          </a:ln>
+        </p:spPr>
+        <p:txBody>
+          <a:bodyPr wrap="square" lIns="89535" tIns="46355" rIns="89535" bIns="46355" vert="horz" anchor="t">
+            <a:spAutoFit/>
+          </a:bodyPr>
+          <a:lstStyle/>
+          <a:p>
+            <a:pPr marL="0" indent="0" algn="l" hangingPunct="1"/>
+            <a:r>
+              <a:rPr sz="1400">
+                <a:latin typeface="맑은 고딕" charset="0"/>
+                <a:ea typeface="맑은 고딕" charset="0"/>
+              </a:rPr>
+              <a:t>@</a:t>
+            </a:r>
+            <a:r>
+              <a:rPr lang="ko-KR" sz="1400">
+                <a:latin typeface="맑은 고딕" charset="0"/>
+                <a:ea typeface="맑은 고딕" charset="0"/>
+              </a:rPr>
+              <a:t>naver.com</a:t>
+            </a:r>
+            <a:endParaRPr lang="ko-KR" altLang="en-US" sz="1400">
+              <a:latin typeface="맑은 고딕" charset="0"/>
+              <a:ea typeface="맑은 고딕" charset="0"/>
+            </a:endParaRPr>
+          </a:p>
+        </p:txBody>
+      </p:sp>
+      <p:sp>
+        <p:nvSpPr>
+          <p:cNvPr id="40" name="도형 32"/>
+          <p:cNvSpPr>
+            <a:spLocks/>
+          </p:cNvSpPr>
+          <p:nvPr/>
+        </p:nvSpPr>
+        <p:spPr>
+          <a:xfrm rot="0">
+            <a:off x="4718050" y="4251960"/>
+            <a:ext cx="762000" cy="283845"/>
+          </a:xfrm>
+          <a:prstGeom prst="rect"/>
+          <a:solidFill>
+            <a:schemeClr val="bg1"/>
+          </a:solidFill>
+        </p:spPr>
+        <p:style>
+          <a:lnRef idx="2">
+            <a:schemeClr val="accent1">
+              <a:shade val="50000"/>
+            </a:schemeClr>
+          </a:lnRef>
+          <a:fillRef idx="1">
+            <a:schemeClr val="accent1"/>
+          </a:fillRef>
+          <a:effectRef idx="0">
+            <a:schemeClr val="accent1"/>
+          </a:effectRef>
+          <a:fontRef idx="minor">
+            <a:schemeClr val="lt1"/>
+          </a:fontRef>
+        </p:style>
+        <p:txBody>
+          <a:bodyPr wrap="square" lIns="91440" tIns="45720" rIns="91440" bIns="45720" vert="horz" anchor="ctr">
+            <a:noAutofit/>
+          </a:bodyPr>
+          <a:lstStyle/>
+          <a:p>
+            <a:pPr marL="0" indent="0" algn="ctr" hangingPunct="1"/>
+            <a:endParaRPr lang="ko-KR" altLang="en-US" sz="1800">
+              <a:latin typeface="맑은 고딕" charset="0"/>
+              <a:ea typeface="맑은 고딕" charset="0"/>
+            </a:endParaRPr>
+          </a:p>
+        </p:txBody>
+      </p:sp>
+      <p:sp>
+        <p:nvSpPr>
+          <p:cNvPr id="41" name="텍스트 상자 33"/>
+          <p:cNvSpPr txBox="1">
+            <a:spLocks/>
+          </p:cNvSpPr>
+          <p:nvPr/>
+        </p:nvSpPr>
+        <p:spPr>
+          <a:xfrm rot="0">
+            <a:off x="4918075" y="4235450"/>
+            <a:ext cx="628650" cy="308610"/>
+          </a:xfrm>
+          <a:prstGeom prst="rect"/>
+          <a:noFill/>
+          <a:ln w="0">
+            <a:noFill/>
+            <a:prstDash/>
+          </a:ln>
+        </p:spPr>
+        <p:txBody>
+          <a:bodyPr wrap="square" lIns="89535" tIns="46355" rIns="89535" bIns="46355" vert="horz" anchor="t">
+            <a:spAutoFit/>
+          </a:bodyPr>
+          <a:lstStyle/>
+          <a:p>
+            <a:pPr marL="0" indent="0" algn="l" hangingPunct="1"/>
+            <a:r>
+              <a:rPr lang="ko-KR" sz="1400">
+                <a:latin typeface="맑은 고딕" charset="0"/>
+                <a:ea typeface="맑은 고딕" charset="0"/>
+              </a:rPr>
+              <a:t>2003</a:t>
+            </a:r>
+            <a:endParaRPr lang="ko-KR" altLang="en-US" sz="1400">
+              <a:latin typeface="맑은 고딕" charset="0"/>
+              <a:ea typeface="맑은 고딕" charset="0"/>
+            </a:endParaRPr>
+          </a:p>
+        </p:txBody>
+      </p:sp>
+      <p:sp>
+        <p:nvSpPr>
+          <p:cNvPr id="42" name="도형 34"/>
+          <p:cNvSpPr>
+            <a:spLocks/>
+          </p:cNvSpPr>
+          <p:nvPr/>
+        </p:nvSpPr>
+        <p:spPr>
+          <a:xfrm rot="10800000">
+            <a:off x="4763135" y="4330065"/>
+            <a:ext cx="234315" cy="183515"/>
+          </a:xfrm>
+          <a:prstGeom prst="triangle"/>
+          <a:solidFill>
+            <a:schemeClr val="bg1"/>
+          </a:solidFill>
+        </p:spPr>
+        <p:style>
+          <a:lnRef idx="2">
+            <a:schemeClr val="accent1">
+              <a:shade val="50000"/>
+            </a:schemeClr>
+          </a:lnRef>
+          <a:fillRef idx="1">
+            <a:schemeClr val="accent1"/>
+          </a:fillRef>
+          <a:effectRef idx="0">
+            <a:schemeClr val="accent1"/>
+          </a:effectRef>
+          <a:fontRef idx="minor">
+            <a:schemeClr val="lt1"/>
+          </a:fontRef>
+        </p:style>
+        <p:txBody>
+          <a:bodyPr wrap="square" lIns="91440" tIns="45720" rIns="91440" bIns="45720" vert="horz" anchor="ctr">
+            <a:noAutofit/>
+          </a:bodyPr>
+          <a:lstStyle/>
+          <a:p>
+            <a:pPr marL="0" indent="0" algn="ctr" hangingPunct="1"/>
+            <a:endParaRPr lang="ko-KR" altLang="en-US" sz="1800">
+              <a:latin typeface="맑은 고딕" charset="0"/>
+              <a:ea typeface="맑은 고딕" charset="0"/>
+            </a:endParaRPr>
+          </a:p>
+        </p:txBody>
+      </p:sp>
+      <p:sp>
+        <p:nvSpPr>
+          <p:cNvPr id="43" name="도형 36"/>
+          <p:cNvSpPr>
+            <a:spLocks/>
+          </p:cNvSpPr>
+          <p:nvPr/>
+        </p:nvSpPr>
+        <p:spPr>
+          <a:xfrm rot="0">
+            <a:off x="5605780" y="4257040"/>
+            <a:ext cx="762000" cy="283845"/>
+          </a:xfrm>
+          <a:prstGeom prst="rect"/>
+          <a:solidFill>
+            <a:schemeClr val="bg1"/>
+          </a:solidFill>
+        </p:spPr>
+        <p:style>
+          <a:lnRef idx="2">
+            <a:schemeClr val="accent1">
+              <a:shade val="50000"/>
+            </a:schemeClr>
+          </a:lnRef>
+          <a:fillRef idx="1">
+            <a:schemeClr val="accent1"/>
+          </a:fillRef>
+          <a:effectRef idx="0">
+            <a:schemeClr val="accent1"/>
+          </a:effectRef>
+          <a:fontRef idx="minor">
+            <a:schemeClr val="lt1"/>
+          </a:fontRef>
+        </p:style>
+        <p:txBody>
+          <a:bodyPr wrap="square" lIns="91440" tIns="45720" rIns="91440" bIns="45720" vert="horz" anchor="ctr">
+            <a:noAutofit/>
+          </a:bodyPr>
+          <a:lstStyle/>
+          <a:p>
+            <a:pPr marL="0" indent="0" algn="ctr" hangingPunct="1"/>
+            <a:endParaRPr lang="ko-KR" altLang="en-US" sz="1800">
+              <a:latin typeface="맑은 고딕" charset="0"/>
+              <a:ea typeface="맑은 고딕" charset="0"/>
+            </a:endParaRPr>
+          </a:p>
+        </p:txBody>
+      </p:sp>
+      <p:sp>
+        <p:nvSpPr>
+          <p:cNvPr id="44" name="도형 37"/>
+          <p:cNvSpPr>
+            <a:spLocks/>
+          </p:cNvSpPr>
+          <p:nvPr/>
+        </p:nvSpPr>
+        <p:spPr>
+          <a:xfrm rot="0">
+            <a:off x="6527165" y="4245610"/>
+            <a:ext cx="762000" cy="283845"/>
+          </a:xfrm>
+          <a:prstGeom prst="rect"/>
+          <a:solidFill>
+            <a:schemeClr val="bg1"/>
+          </a:solidFill>
+        </p:spPr>
+        <p:style>
+          <a:lnRef idx="2">
+            <a:schemeClr val="accent1">
+              <a:shade val="50000"/>
+            </a:schemeClr>
+          </a:lnRef>
+          <a:fillRef idx="1">
+            <a:schemeClr val="accent1"/>
+          </a:fillRef>
+          <a:effectRef idx="0">
+            <a:schemeClr val="accent1"/>
+          </a:effectRef>
+          <a:fontRef idx="minor">
+            <a:schemeClr val="lt1"/>
+          </a:fontRef>
+        </p:style>
+        <p:txBody>
+          <a:bodyPr wrap="square" lIns="91440" tIns="45720" rIns="91440" bIns="45720" vert="horz" anchor="ctr">
+            <a:noAutofit/>
+          </a:bodyPr>
+          <a:lstStyle/>
+          <a:p>
+            <a:pPr marL="0" indent="0" algn="ctr" hangingPunct="1"/>
+            <a:endParaRPr lang="ko-KR" altLang="en-US" sz="1800">
+              <a:latin typeface="맑은 고딕" charset="0"/>
+              <a:ea typeface="맑은 고딕" charset="0"/>
+            </a:endParaRPr>
+          </a:p>
+        </p:txBody>
+      </p:sp>
+      <p:sp>
+        <p:nvSpPr>
+          <p:cNvPr id="45" name="도형 38"/>
+          <p:cNvSpPr>
+            <a:spLocks/>
+          </p:cNvSpPr>
+          <p:nvPr/>
+        </p:nvSpPr>
+        <p:spPr>
+          <a:xfrm rot="10800000">
+            <a:off x="5633720" y="4351655"/>
+            <a:ext cx="234315" cy="183515"/>
+          </a:xfrm>
+          <a:prstGeom prst="triangle"/>
+          <a:solidFill>
+            <a:schemeClr val="bg1"/>
+          </a:solidFill>
+        </p:spPr>
+        <p:style>
+          <a:lnRef idx="2">
+            <a:schemeClr val="accent1">
+              <a:shade val="50000"/>
+            </a:schemeClr>
+          </a:lnRef>
+          <a:fillRef idx="1">
+            <a:schemeClr val="accent1"/>
+          </a:fillRef>
+          <a:effectRef idx="0">
+            <a:schemeClr val="accent1"/>
+          </a:effectRef>
+          <a:fontRef idx="minor">
+            <a:schemeClr val="lt1"/>
+          </a:fontRef>
+        </p:style>
+        <p:txBody>
+          <a:bodyPr wrap="square" lIns="91440" tIns="45720" rIns="91440" bIns="45720" vert="horz" anchor="ctr">
+            <a:noAutofit/>
+          </a:bodyPr>
+          <a:lstStyle/>
+          <a:p>
+            <a:pPr marL="0" indent="0" algn="ctr" hangingPunct="1"/>
+            <a:endParaRPr lang="ko-KR" altLang="en-US" sz="1800">
+              <a:latin typeface="맑은 고딕" charset="0"/>
+              <a:ea typeface="맑은 고딕" charset="0"/>
+            </a:endParaRPr>
+          </a:p>
+        </p:txBody>
+      </p:sp>
+      <p:sp>
+        <p:nvSpPr>
+          <p:cNvPr id="46" name="도형 39"/>
+          <p:cNvSpPr>
+            <a:spLocks/>
+          </p:cNvSpPr>
+          <p:nvPr/>
+        </p:nvSpPr>
+        <p:spPr>
+          <a:xfrm rot="10800000">
+            <a:off x="6522085" y="4330065"/>
+            <a:ext cx="234315" cy="170815"/>
+          </a:xfrm>
+          <a:prstGeom prst="triangle"/>
+          <a:solidFill>
+            <a:schemeClr val="bg1"/>
+          </a:solidFill>
+        </p:spPr>
+        <p:style>
+          <a:lnRef idx="2">
+            <a:schemeClr val="accent1">
+              <a:shade val="50000"/>
+            </a:schemeClr>
+          </a:lnRef>
+          <a:fillRef idx="1">
+            <a:schemeClr val="accent1"/>
+          </a:fillRef>
+          <a:effectRef idx="0">
+            <a:schemeClr val="accent1"/>
+          </a:effectRef>
+          <a:fontRef idx="minor">
+            <a:schemeClr val="lt1"/>
+          </a:fontRef>
+        </p:style>
+        <p:txBody>
+          <a:bodyPr wrap="square" lIns="91440" tIns="45720" rIns="91440" bIns="45720" vert="horz" anchor="ctr">
+            <a:noAutofit/>
+          </a:bodyPr>
+          <a:lstStyle/>
+          <a:p>
+            <a:pPr marL="0" indent="0" algn="ctr" hangingPunct="1"/>
+            <a:endParaRPr lang="ko-KR" altLang="en-US" sz="1800">
+              <a:latin typeface="맑은 고딕" charset="0"/>
+              <a:ea typeface="맑은 고딕" charset="0"/>
+            </a:endParaRPr>
+          </a:p>
+        </p:txBody>
+      </p:sp>
+      <p:sp>
+        <p:nvSpPr>
+          <p:cNvPr id="47" name="텍스트 상자 40"/>
+          <p:cNvSpPr txBox="1">
+            <a:spLocks/>
+          </p:cNvSpPr>
+          <p:nvPr/>
+        </p:nvSpPr>
+        <p:spPr>
+          <a:xfrm rot="0">
+            <a:off x="5862320" y="4214495"/>
+            <a:ext cx="466725" cy="339725"/>
+          </a:xfrm>
+          <a:prstGeom prst="rect"/>
+          <a:noFill/>
+          <a:ln w="0">
+            <a:noFill/>
+            <a:prstDash/>
+          </a:ln>
+        </p:spPr>
+        <p:txBody>
+          <a:bodyPr wrap="square" lIns="89535" tIns="46355" rIns="89535" bIns="46355" vert="horz" anchor="t">
+            <a:spAutoFit/>
+          </a:bodyPr>
+          <a:lstStyle/>
+          <a:p>
+            <a:pPr marL="0" indent="0" algn="l" hangingPunct="1"/>
+            <a:r>
+              <a:rPr sz="1600">
+                <a:latin typeface="맑은 고딕" charset="0"/>
+                <a:ea typeface="맑은 고딕" charset="0"/>
+              </a:rPr>
+              <a:t>12</a:t>
+            </a:r>
+            <a:endParaRPr lang="ko-KR" altLang="en-US" sz="1600">
+              <a:latin typeface="맑은 고딕" charset="0"/>
+              <a:ea typeface="맑은 고딕" charset="0"/>
+            </a:endParaRPr>
+          </a:p>
+        </p:txBody>
+      </p:sp>
+      <p:sp>
+        <p:nvSpPr>
+          <p:cNvPr id="48" name="텍스트 상자 41"/>
+          <p:cNvSpPr txBox="1">
+            <a:spLocks/>
+          </p:cNvSpPr>
+          <p:nvPr/>
+        </p:nvSpPr>
+        <p:spPr>
+          <a:xfrm rot="0">
+            <a:off x="6778625" y="4246880"/>
+            <a:ext cx="466725" cy="308610"/>
+          </a:xfrm>
+          <a:prstGeom prst="rect"/>
+          <a:noFill/>
+          <a:ln w="0">
+            <a:noFill/>
+            <a:prstDash/>
+          </a:ln>
+        </p:spPr>
+        <p:txBody>
+          <a:bodyPr wrap="square" lIns="89535" tIns="46355" rIns="89535" bIns="46355" vert="horz" anchor="t">
+            <a:spAutoFit/>
+          </a:bodyPr>
+          <a:lstStyle/>
+          <a:p>
+            <a:pPr marL="0" indent="0" algn="l" hangingPunct="1"/>
+            <a:r>
+              <a:rPr sz="1400">
+                <a:latin typeface="맑은 고딕" charset="0"/>
+                <a:ea typeface="맑은 고딕" charset="0"/>
+              </a:rPr>
+              <a:t>31</a:t>
+            </a:r>
+            <a:endParaRPr lang="ko-KR" altLang="en-US" sz="1400">
+              <a:latin typeface="맑은 고딕" charset="0"/>
+              <a:ea typeface="맑은 고딕" charset="0"/>
+            </a:endParaRPr>
+          </a:p>
+        </p:txBody>
+      </p:sp>
+    </p:spTree>
+  </p:cSld>
+  <p:clrMapOvr>
+    <a:masterClrMapping/>
+  </p:clrMapOvr>
+  <mc:AlternateContent xmlns:mc="http://schemas.openxmlformats.org/markup-compatibility/2006">
+    <mc:Choice xmlns:p14="http://schemas.microsoft.com/office/powerpoint/2010/main" Requires="p14">
+      <p:transition spd="slow" p14:dur="2000"/>
+    </mc:Choice>
+    <mc:Fallback>
+      <p:transition spd="slow"/>
+    </mc:Fallback>
+  </mc:AlternateContent>
+  <p:timing>
+    <p:tnLst>
+      <p:par>
+        <p:cTn id="1" dur="indefinite" restart="never" nodeType="tmRoot"/>
+      </p:par>
+    </p:tnLst>
+  </p:timing>
+</p:sld>
+</file>
+
+<file path=ppt/slides/slide4.xml><?xml version="1.0" encoding="utf-8"?>
 <p:sld xmlns:a="http://schemas.openxmlformats.org/drawingml/2006/main" xmlns:r="http://schemas.openxmlformats.org/officeDocument/2006/relationships" xmlns:p="http://schemas.openxmlformats.org/presentationml/2006/main" xmlns:p14="http://schemas.microsoft.com/office/powerpoint/2010/main">
   <p:cSld>
     <p:spTree>
@@ -12532,7 +14120,7 @@
 </p:sld>
 </file>
 
-<file path=ppt/slides/slide4.xml><?xml version="1.0" encoding="utf-8"?>
+<file path=ppt/slides/slide5.xml><?xml version="1.0" encoding="utf-8"?>
 <p:sld xmlns:a="http://schemas.openxmlformats.org/drawingml/2006/main" xmlns:r="http://schemas.openxmlformats.org/officeDocument/2006/relationships" xmlns:p="http://schemas.openxmlformats.org/presentationml/2006/main" xmlns:p14="http://schemas.microsoft.com/office/powerpoint/2010/main">
   <p:cSld>
     <p:spTree>
@@ -18226,7 +19814,7 @@
 </p:sld>
 </file>
 
-<file path=ppt/slides/slide5.xml><?xml version="1.0" encoding="utf-8"?>
+<file path=ppt/slides/slide6.xml><?xml version="1.0" encoding="utf-8"?>
 <p:sld xmlns:a="http://schemas.openxmlformats.org/drawingml/2006/main" xmlns:r="http://schemas.openxmlformats.org/officeDocument/2006/relationships" xmlns:p="http://schemas.openxmlformats.org/presentationml/2006/main" xmlns:p14="http://schemas.microsoft.com/office/powerpoint/2010/main">
   <p:cSld>
     <p:spTree>
@@ -23186,7 +24774,7 @@
 </p:sld>
 </file>
 
-<file path=ppt/slides/slide6.xml><?xml version="1.0" encoding="utf-8"?>
+<file path=ppt/slides/slide7.xml><?xml version="1.0" encoding="utf-8"?>
 <p:sld xmlns:a="http://schemas.openxmlformats.org/drawingml/2006/main" xmlns:r="http://schemas.openxmlformats.org/officeDocument/2006/relationships" xmlns:p="http://schemas.openxmlformats.org/presentationml/2006/main" xmlns:p14="http://schemas.microsoft.com/office/powerpoint/2010/main">
   <p:cSld>
     <p:spTree>
@@ -27524,7 +29112,7 @@
 </p:sld>
 </file>
 
-<file path=ppt/slides/slide7.xml><?xml version="1.0" encoding="utf-8"?>
+<file path=ppt/slides/slide8.xml><?xml version="1.0" encoding="utf-8"?>
 <p:sld xmlns:a="http://schemas.openxmlformats.org/drawingml/2006/main" xmlns:r="http://schemas.openxmlformats.org/officeDocument/2006/relationships" xmlns:p="http://schemas.openxmlformats.org/presentationml/2006/main" xmlns:p14="http://schemas.microsoft.com/office/powerpoint/2010/main">
   <p:cSld>
     <p:spTree>
@@ -29743,8 +31331,8 @@
 </p:sld>
 </file>
 
-<file path=ppt/slides/slide8.xml><?xml version="1.0" encoding="utf-8"?>
-<p:sld xmlns:a="http://schemas.openxmlformats.org/drawingml/2006/main" xmlns:r="http://schemas.openxmlformats.org/officeDocument/2006/relationships" xmlns:p="http://schemas.openxmlformats.org/presentationml/2006/main">
+<file path=ppt/slides/slide9.xml><?xml version="1.0" encoding="utf-8"?>
+<p:sld xmlns:a="http://schemas.openxmlformats.org/drawingml/2006/main" xmlns:r="http://schemas.openxmlformats.org/officeDocument/2006/relationships" xmlns:p="http://schemas.openxmlformats.org/presentationml/2006/main" xmlns:p14="http://schemas.microsoft.com/office/powerpoint/2010/main">
   <p:cSld>
     <p:spTree>
       <p:nvGrpSpPr>
@@ -29773,6 +31361,13 @@
       <p:transition spd="slow"/>
     </mc:Fallback>
   </mc:AlternateContent>
+  <p:timing>
+    <p:tnLst>
+      <p:par>
+        <p:cTn id="1" dur="indefinite" restart="never" nodeType="tmRoot"/>
+      </p:par>
+    </p:tnLst>
+  </p:timing>
 </p:sld>
 </file>
 
